--- a/Vizsga_bemutato.pptx
+++ b/Vizsga_bemutato.pptx
@@ -11943,6 +11943,36 @@
           </a:prstGeom>
         </p:spPr>
       </p:pic>
+      <p:pic>
+        <p:nvPicPr>
+          <p:cNvPr id="8" name="Kép 7">
+            <a:extLst>
+              <a:ext uri="{FF2B5EF4-FFF2-40B4-BE49-F238E27FC236}">
+                <a16:creationId xmlns:a16="http://schemas.microsoft.com/office/drawing/2014/main" id="{CAB338B2-199E-B038-044F-8E8027BCECA6}"/>
+              </a:ext>
+            </a:extLst>
+          </p:cNvPr>
+          <p:cNvPicPr>
+            <a:picLocks noChangeAspect="1"/>
+          </p:cNvPicPr>
+          <p:nvPr/>
+        </p:nvPicPr>
+        <p:blipFill>
+          <a:blip r:embed="rId5"/>
+          <a:stretch>
+            <a:fillRect/>
+          </a:stretch>
+        </p:blipFill>
+        <p:spPr>
+          <a:xfrm>
+            <a:off x="324055" y="368045"/>
+            <a:ext cx="1185705" cy="1185705"/>
+          </a:xfrm>
+          <a:prstGeom prst="rect">
+            <a:avLst/>
+          </a:prstGeom>
+        </p:spPr>
+      </p:pic>
     </p:spTree>
     <p:extLst>
       <p:ext uri="{BB962C8B-B14F-4D97-AF65-F5344CB8AC3E}">
@@ -12298,8 +12328,8 @@
         </p:nvSpPr>
         <p:spPr>
           <a:xfrm>
-            <a:off x="685800" y="180820"/>
-            <a:ext cx="9238434" cy="857559"/>
+            <a:off x="2122953" y="169651"/>
+            <a:ext cx="4057022" cy="857559"/>
           </a:xfrm>
         </p:spPr>
         <p:txBody>
@@ -12322,7 +12352,7 @@
               <a:rPr lang="en-US" b="1" dirty="0">
                 <a:latin typeface="+mn-lt"/>
               </a:rPr>
-              <a:t> - DBDIAGRAM</a:t>
+              <a:t> -</a:t>
             </a:r>
           </a:p>
         </p:txBody>
@@ -12432,6 +12462,53 @@
           </a:p>
         </p:txBody>
       </p:sp>
+      <p:pic>
+        <p:nvPicPr>
+          <p:cNvPr id="2050" name="Picture 2" descr="Feature request - Include comments in SQL export - Ask the Community -  dbdiagram Community">
+            <a:extLst>
+              <a:ext uri="{FF2B5EF4-FFF2-40B4-BE49-F238E27FC236}">
+                <a16:creationId xmlns:a16="http://schemas.microsoft.com/office/drawing/2014/main" id="{AC61DA82-EEA6-AC5F-5244-B7E552CD5A51}"/>
+              </a:ext>
+            </a:extLst>
+          </p:cNvPr>
+          <p:cNvPicPr>
+            <a:picLocks noChangeAspect="1" noChangeArrowheads="1"/>
+          </p:cNvPicPr>
+          <p:nvPr/>
+        </p:nvPicPr>
+        <p:blipFill>
+          <a:blip r:embed="rId3" cstate="print">
+            <a:extLst>
+              <a:ext uri="{28A0092B-C50C-407E-A947-70E740481C1C}">
+                <a14:useLocalDpi xmlns:a14="http://schemas.microsoft.com/office/drawing/2010/main" val="0"/>
+              </a:ext>
+            </a:extLst>
+          </a:blip>
+          <a:srcRect/>
+          <a:stretch>
+            <a:fillRect/>
+          </a:stretch>
+        </p:blipFill>
+        <p:spPr bwMode="auto">
+          <a:xfrm>
+            <a:off x="6095999" y="216733"/>
+            <a:ext cx="3847025" cy="763394"/>
+          </a:xfrm>
+          <a:prstGeom prst="rect">
+            <a:avLst/>
+          </a:prstGeom>
+          <a:noFill/>
+          <a:extLst>
+            <a:ext uri="{909E8E84-426E-40DD-AFC4-6F175D3DCCD1}">
+              <a14:hiddenFill xmlns:a14="http://schemas.microsoft.com/office/drawing/2010/main">
+                <a:solidFill>
+                  <a:srgbClr val="FFFFFF"/>
+                </a:solidFill>
+              </a14:hiddenFill>
+            </a:ext>
+          </a:extLst>
+        </p:spPr>
+      </p:pic>
     </p:spTree>
     <p:extLst>
       <p:ext uri="{BB962C8B-B14F-4D97-AF65-F5344CB8AC3E}">
@@ -12474,43 +12551,6 @@
           <a:chExt cx="0" cy="0"/>
         </a:xfrm>
       </p:grpSpPr>
-      <p:sp>
-        <p:nvSpPr>
-          <p:cNvPr id="2" name="Title 1">
-            <a:extLst>
-              <a:ext uri="{FF2B5EF4-FFF2-40B4-BE49-F238E27FC236}">
-                <a16:creationId xmlns:a16="http://schemas.microsoft.com/office/drawing/2014/main" id="{029BB32F-C4C0-A7D9-6C0D-396D7193E00B}"/>
-              </a:ext>
-            </a:extLst>
-          </p:cNvPr>
-          <p:cNvSpPr>
-            <a:spLocks noGrp="1"/>
-          </p:cNvSpPr>
-          <p:nvPr>
-            <p:ph type="title"/>
-          </p:nvPr>
-        </p:nvSpPr>
-        <p:spPr>
-          <a:xfrm>
-            <a:off x="695443" y="498902"/>
-            <a:ext cx="10839332" cy="857559"/>
-          </a:xfrm>
-        </p:spPr>
-        <p:txBody>
-          <a:bodyPr>
-            <a:normAutofit/>
-          </a:bodyPr>
-          <a:lstStyle/>
-          <a:p>
-            <a:r>
-              <a:rPr lang="en-US" b="1" dirty="0">
-                <a:latin typeface="+mn-lt"/>
-              </a:rPr>
-              <a:t>Database Creation with Stored Procedures</a:t>
-            </a:r>
-          </a:p>
-        </p:txBody>
-      </p:sp>
       <p:graphicFrame>
         <p:nvGraphicFramePr>
           <p:cNvPr id="17" name="Content Placeholder 2">
@@ -12728,6 +12768,53 @@
           <a:prstGeom prst="rect">
             <a:avLst/>
           </a:prstGeom>
+        </p:spPr>
+      </p:pic>
+      <p:pic>
+        <p:nvPicPr>
+          <p:cNvPr id="1026" name="Picture 2">
+            <a:extLst>
+              <a:ext uri="{FF2B5EF4-FFF2-40B4-BE49-F238E27FC236}">
+                <a16:creationId xmlns:a16="http://schemas.microsoft.com/office/drawing/2014/main" id="{60DCE634-B5E6-4608-E745-AA43999FA6AD}"/>
+              </a:ext>
+            </a:extLst>
+          </p:cNvPr>
+          <p:cNvPicPr>
+            <a:picLocks noChangeAspect="1" noChangeArrowheads="1"/>
+          </p:cNvPicPr>
+          <p:nvPr/>
+        </p:nvPicPr>
+        <p:blipFill>
+          <a:blip r:embed="rId10" cstate="print">
+            <a:extLst>
+              <a:ext uri="{28A0092B-C50C-407E-A947-70E740481C1C}">
+                <a14:useLocalDpi xmlns:a14="http://schemas.microsoft.com/office/drawing/2010/main" val="0"/>
+              </a:ext>
+            </a:extLst>
+          </a:blip>
+          <a:srcRect/>
+          <a:stretch>
+            <a:fillRect/>
+          </a:stretch>
+        </p:blipFill>
+        <p:spPr bwMode="auto">
+          <a:xfrm>
+            <a:off x="4800599" y="183720"/>
+            <a:ext cx="2590801" cy="1444169"/>
+          </a:xfrm>
+          <a:prstGeom prst="rect">
+            <a:avLst/>
+          </a:prstGeom>
+          <a:noFill/>
+          <a:extLst>
+            <a:ext uri="{909E8E84-426E-40DD-AFC4-6F175D3DCCD1}">
+              <a14:hiddenFill xmlns:a14="http://schemas.microsoft.com/office/drawing/2010/main">
+                <a:solidFill>
+                  <a:srgbClr val="FFFFFF"/>
+                </a:solidFill>
+              </a14:hiddenFill>
+            </a:ext>
+          </a:extLst>
         </p:spPr>
       </p:pic>
     </p:spTree>
